--- a/report/Retinaa.pptx
+++ b/report/Retinaa.pptx
@@ -6,6 +6,8 @@
   </p:sldMasterIdLst>
   <p:sldIdLst>
     <p:sldId id="256" r:id="rId2"/>
+    <p:sldId id="257" r:id="rId3"/>
+    <p:sldId id="258" r:id="rId4"/>
   </p:sldIdLst>
   <p:sldSz cx="9144000" cy="6858000" type="screen4x3"/>
   <p:notesSz cx="6858000" cy="9144000"/>
@@ -288,7 +290,7 @@
           <a:p>
             <a:fld id="{2E24177F-8298-434A-A6C3-A0DC7E971CB2}" type="datetimeFigureOut">
               <a:rPr lang="en-US" smtClean="0"/>
-              <a:t>4/3/15</a:t>
+              <a:t>4/4/15</a:t>
             </a:fld>
             <a:endParaRPr lang="en-US"/>
           </a:p>
@@ -458,7 +460,7 @@
           <a:p>
             <a:fld id="{2E24177F-8298-434A-A6C3-A0DC7E971CB2}" type="datetimeFigureOut">
               <a:rPr lang="en-US" smtClean="0"/>
-              <a:t>4/3/15</a:t>
+              <a:t>4/4/15</a:t>
             </a:fld>
             <a:endParaRPr lang="en-US"/>
           </a:p>
@@ -638,7 +640,7 @@
           <a:p>
             <a:fld id="{2E24177F-8298-434A-A6C3-A0DC7E971CB2}" type="datetimeFigureOut">
               <a:rPr lang="en-US" smtClean="0"/>
-              <a:t>4/3/15</a:t>
+              <a:t>4/4/15</a:t>
             </a:fld>
             <a:endParaRPr lang="en-US"/>
           </a:p>
@@ -808,7 +810,7 @@
           <a:p>
             <a:fld id="{2E24177F-8298-434A-A6C3-A0DC7E971CB2}" type="datetimeFigureOut">
               <a:rPr lang="en-US" smtClean="0"/>
-              <a:t>4/3/15</a:t>
+              <a:t>4/4/15</a:t>
             </a:fld>
             <a:endParaRPr lang="en-US"/>
           </a:p>
@@ -1054,7 +1056,7 @@
           <a:p>
             <a:fld id="{2E24177F-8298-434A-A6C3-A0DC7E971CB2}" type="datetimeFigureOut">
               <a:rPr lang="en-US" smtClean="0"/>
-              <a:t>4/3/15</a:t>
+              <a:t>4/4/15</a:t>
             </a:fld>
             <a:endParaRPr lang="en-US"/>
           </a:p>
@@ -1342,7 +1344,7 @@
           <a:p>
             <a:fld id="{2E24177F-8298-434A-A6C3-A0DC7E971CB2}" type="datetimeFigureOut">
               <a:rPr lang="en-US" smtClean="0"/>
-              <a:t>4/3/15</a:t>
+              <a:t>4/4/15</a:t>
             </a:fld>
             <a:endParaRPr lang="en-US"/>
           </a:p>
@@ -1764,7 +1766,7 @@
           <a:p>
             <a:fld id="{2E24177F-8298-434A-A6C3-A0DC7E971CB2}" type="datetimeFigureOut">
               <a:rPr lang="en-US" smtClean="0"/>
-              <a:t>4/3/15</a:t>
+              <a:t>4/4/15</a:t>
             </a:fld>
             <a:endParaRPr lang="en-US"/>
           </a:p>
@@ -1882,7 +1884,7 @@
           <a:p>
             <a:fld id="{2E24177F-8298-434A-A6C3-A0DC7E971CB2}" type="datetimeFigureOut">
               <a:rPr lang="en-US" smtClean="0"/>
-              <a:t>4/3/15</a:t>
+              <a:t>4/4/15</a:t>
             </a:fld>
             <a:endParaRPr lang="en-US"/>
           </a:p>
@@ -1977,7 +1979,7 @@
           <a:p>
             <a:fld id="{2E24177F-8298-434A-A6C3-A0DC7E971CB2}" type="datetimeFigureOut">
               <a:rPr lang="en-US" smtClean="0"/>
-              <a:t>4/3/15</a:t>
+              <a:t>4/4/15</a:t>
             </a:fld>
             <a:endParaRPr lang="en-US"/>
           </a:p>
@@ -2254,7 +2256,7 @@
           <a:p>
             <a:fld id="{2E24177F-8298-434A-A6C3-A0DC7E971CB2}" type="datetimeFigureOut">
               <a:rPr lang="en-US" smtClean="0"/>
-              <a:t>4/3/15</a:t>
+              <a:t>4/4/15</a:t>
             </a:fld>
             <a:endParaRPr lang="en-US"/>
           </a:p>
@@ -2507,7 +2509,7 @@
           <a:p>
             <a:fld id="{2E24177F-8298-434A-A6C3-A0DC7E971CB2}" type="datetimeFigureOut">
               <a:rPr lang="en-US" smtClean="0"/>
-              <a:t>4/3/15</a:t>
+              <a:t>4/4/15</a:t>
             </a:fld>
             <a:endParaRPr lang="en-US"/>
           </a:p>
@@ -2720,7 +2722,7 @@
           <a:p>
             <a:fld id="{2E24177F-8298-434A-A6C3-A0DC7E971CB2}" type="datetimeFigureOut">
               <a:rPr lang="en-US" smtClean="0"/>
-              <a:t>4/3/15</a:t>
+              <a:t>4/4/15</a:t>
             </a:fld>
             <a:endParaRPr lang="en-US"/>
           </a:p>
@@ -3687,11 +3689,11 @@
           <a:p>
             <a:r>
               <a:rPr lang="en-US" sz="2400" dirty="0" smtClean="0"/>
-              <a:t>                         </a:t>
+              <a:t>                </a:t>
             </a:r>
             <a:r>
               <a:rPr lang="en-US" sz="2400" b="1" dirty="0" smtClean="0"/>
-              <a:t>RETINAA LAYERS</a:t>
+              <a:t>RETINAA STACK</a:t>
             </a:r>
             <a:endParaRPr lang="en-US" sz="2400" b="1" dirty="0"/>
           </a:p>
@@ -3707,6 +3709,1742 @@
   <p:clrMapOvr>
     <a:masterClrMapping/>
   </p:clrMapOvr>
+  <p:timing>
+    <p:tnLst>
+      <p:par>
+        <p:cTn xmlns:p14="http://schemas.microsoft.com/office/powerpoint/2010/main" id="1" dur="indefinite" restart="never" nodeType="tmRoot"/>
+      </p:par>
+    </p:tnLst>
+  </p:timing>
+</p:sld>
+</file>
+
+<file path=ppt/slides/slide2.xml><?xml version="1.0" encoding="utf-8"?>
+<p:sld xmlns:a="http://schemas.openxmlformats.org/drawingml/2006/main" xmlns:r="http://schemas.openxmlformats.org/officeDocument/2006/relationships" xmlns:p="http://schemas.openxmlformats.org/presentationml/2006/main">
+  <p:cSld>
+    <p:spTree>
+      <p:nvGrpSpPr>
+        <p:cNvPr id="1" name=""/>
+        <p:cNvGrpSpPr/>
+        <p:nvPr/>
+      </p:nvGrpSpPr>
+      <p:grpSpPr>
+        <a:xfrm>
+          <a:off x="0" y="0"/>
+          <a:ext cx="0" cy="0"/>
+          <a:chOff x="0" y="0"/>
+          <a:chExt cx="0" cy="0"/>
+        </a:xfrm>
+      </p:grpSpPr>
+      <p:sp>
+        <p:nvSpPr>
+          <p:cNvPr id="9" name="Rectangle 8"/>
+          <p:cNvSpPr/>
+          <p:nvPr/>
+        </p:nvSpPr>
+        <p:spPr>
+          <a:xfrm>
+            <a:off x="280133" y="2577002"/>
+            <a:ext cx="8161201" cy="4145612"/>
+          </a:xfrm>
+          <a:prstGeom prst="rect">
+            <a:avLst/>
+          </a:prstGeom>
+        </p:spPr>
+        <p:style>
+          <a:lnRef idx="1">
+            <a:schemeClr val="dk1"/>
+          </a:lnRef>
+          <a:fillRef idx="2">
+            <a:schemeClr val="dk1"/>
+          </a:fillRef>
+          <a:effectRef idx="1">
+            <a:schemeClr val="dk1"/>
+          </a:effectRef>
+          <a:fontRef idx="minor">
+            <a:schemeClr val="dk1"/>
+          </a:fontRef>
+        </p:style>
+        <p:txBody>
+          <a:bodyPr rtlCol="0" anchor="ctr"/>
+          <a:lstStyle/>
+          <a:p>
+            <a:pPr algn="ctr"/>
+            <a:r>
+              <a:rPr lang="en-US" dirty="0" smtClean="0"/>
+              <a:t>Z</a:t>
+            </a:r>
+            <a:endParaRPr lang="en-US" dirty="0"/>
+          </a:p>
+        </p:txBody>
+      </p:sp>
+      <p:sp>
+        <p:nvSpPr>
+          <p:cNvPr id="4" name="Rectangle 3"/>
+          <p:cNvSpPr/>
+          <p:nvPr/>
+        </p:nvSpPr>
+        <p:spPr>
+          <a:xfrm>
+            <a:off x="504239" y="3118545"/>
+            <a:ext cx="1568744" cy="1792697"/>
+          </a:xfrm>
+          <a:prstGeom prst="rect">
+            <a:avLst/>
+          </a:prstGeom>
+        </p:spPr>
+        <p:style>
+          <a:lnRef idx="1">
+            <a:schemeClr val="accent1"/>
+          </a:lnRef>
+          <a:fillRef idx="3">
+            <a:schemeClr val="accent1"/>
+          </a:fillRef>
+          <a:effectRef idx="2">
+            <a:schemeClr val="accent1"/>
+          </a:effectRef>
+          <a:fontRef idx="minor">
+            <a:schemeClr val="lt1"/>
+          </a:fontRef>
+        </p:style>
+        <p:txBody>
+          <a:bodyPr rtlCol="0" anchor="ctr"/>
+          <a:lstStyle/>
+          <a:p>
+            <a:pPr algn="ctr"/>
+            <a:r>
+              <a:rPr lang="en-US" dirty="0" smtClean="0"/>
+              <a:t>INGESTER SERVERS</a:t>
+            </a:r>
+            <a:endParaRPr lang="en-US" dirty="0"/>
+          </a:p>
+        </p:txBody>
+      </p:sp>
+      <p:sp>
+        <p:nvSpPr>
+          <p:cNvPr id="5" name="Rectangle 4"/>
+          <p:cNvSpPr/>
+          <p:nvPr/>
+        </p:nvSpPr>
+        <p:spPr>
+          <a:xfrm>
+            <a:off x="2377782" y="3118545"/>
+            <a:ext cx="3841166" cy="1792697"/>
+          </a:xfrm>
+          <a:prstGeom prst="rect">
+            <a:avLst/>
+          </a:prstGeom>
+        </p:spPr>
+        <p:style>
+          <a:lnRef idx="1">
+            <a:schemeClr val="accent1"/>
+          </a:lnRef>
+          <a:fillRef idx="3">
+            <a:schemeClr val="accent1"/>
+          </a:fillRef>
+          <a:effectRef idx="2">
+            <a:schemeClr val="accent1"/>
+          </a:effectRef>
+          <a:fontRef idx="minor">
+            <a:schemeClr val="lt1"/>
+          </a:fontRef>
+        </p:style>
+        <p:txBody>
+          <a:bodyPr rtlCol="0" anchor="ctr"/>
+          <a:lstStyle/>
+          <a:p>
+            <a:pPr algn="ctr"/>
+            <a:r>
+              <a:rPr lang="en-US" dirty="0" smtClean="0"/>
+              <a:t>STORM REAL TIME PROCESSING TOPOLOGY</a:t>
+            </a:r>
+            <a:endParaRPr lang="en-US" dirty="0"/>
+          </a:p>
+        </p:txBody>
+      </p:sp>
+      <p:sp>
+        <p:nvSpPr>
+          <p:cNvPr id="6" name="Rectangle 5"/>
+          <p:cNvSpPr/>
+          <p:nvPr/>
+        </p:nvSpPr>
+        <p:spPr>
+          <a:xfrm>
+            <a:off x="6539426" y="3118545"/>
+            <a:ext cx="1568744" cy="1792697"/>
+          </a:xfrm>
+          <a:prstGeom prst="rect">
+            <a:avLst/>
+          </a:prstGeom>
+        </p:spPr>
+        <p:style>
+          <a:lnRef idx="1">
+            <a:schemeClr val="accent1"/>
+          </a:lnRef>
+          <a:fillRef idx="3">
+            <a:schemeClr val="accent1"/>
+          </a:fillRef>
+          <a:effectRef idx="2">
+            <a:schemeClr val="accent1"/>
+          </a:effectRef>
+          <a:fontRef idx="minor">
+            <a:schemeClr val="lt1"/>
+          </a:fontRef>
+        </p:style>
+        <p:txBody>
+          <a:bodyPr rtlCol="0" anchor="ctr"/>
+          <a:lstStyle/>
+          <a:p>
+            <a:pPr algn="ctr"/>
+            <a:r>
+              <a:rPr lang="en-US" dirty="0" smtClean="0"/>
+              <a:t>DRUID</a:t>
+            </a:r>
+            <a:endParaRPr lang="en-US" dirty="0"/>
+          </a:p>
+        </p:txBody>
+      </p:sp>
+      <p:sp>
+        <p:nvSpPr>
+          <p:cNvPr id="7" name="Rectangle 6"/>
+          <p:cNvSpPr/>
+          <p:nvPr/>
+        </p:nvSpPr>
+        <p:spPr>
+          <a:xfrm>
+            <a:off x="504239" y="5788917"/>
+            <a:ext cx="7603931" cy="728284"/>
+          </a:xfrm>
+          <a:prstGeom prst="rect">
+            <a:avLst/>
+          </a:prstGeom>
+        </p:spPr>
+        <p:style>
+          <a:lnRef idx="1">
+            <a:schemeClr val="accent4"/>
+          </a:lnRef>
+          <a:fillRef idx="3">
+            <a:schemeClr val="accent4"/>
+          </a:fillRef>
+          <a:effectRef idx="2">
+            <a:schemeClr val="accent4"/>
+          </a:effectRef>
+          <a:fontRef idx="minor">
+            <a:schemeClr val="lt1"/>
+          </a:fontRef>
+        </p:style>
+        <p:txBody>
+          <a:bodyPr rtlCol="0" anchor="ctr"/>
+          <a:lstStyle/>
+          <a:p>
+            <a:pPr algn="ctr"/>
+            <a:r>
+              <a:rPr lang="en-US" dirty="0" smtClean="0"/>
+              <a:t>KAFKA MESSAGING CLUSTER</a:t>
+            </a:r>
+            <a:endParaRPr lang="en-US" dirty="0"/>
+          </a:p>
+        </p:txBody>
+      </p:sp>
+      <p:sp>
+        <p:nvSpPr>
+          <p:cNvPr id="10" name="Down Arrow 9"/>
+          <p:cNvSpPr/>
+          <p:nvPr/>
+        </p:nvSpPr>
+        <p:spPr>
+          <a:xfrm>
+            <a:off x="1008478" y="4911242"/>
+            <a:ext cx="261457" cy="877675"/>
+          </a:xfrm>
+          <a:prstGeom prst="downArrow">
+            <a:avLst/>
+          </a:prstGeom>
+        </p:spPr>
+        <p:style>
+          <a:lnRef idx="0">
+            <a:schemeClr val="dk1"/>
+          </a:lnRef>
+          <a:fillRef idx="3">
+            <a:schemeClr val="dk1"/>
+          </a:fillRef>
+          <a:effectRef idx="3">
+            <a:schemeClr val="dk1"/>
+          </a:effectRef>
+          <a:fontRef idx="minor">
+            <a:schemeClr val="lt1"/>
+          </a:fontRef>
+        </p:style>
+        <p:txBody>
+          <a:bodyPr rtlCol="0" anchor="ctr"/>
+          <a:lstStyle/>
+          <a:p>
+            <a:pPr algn="ctr"/>
+            <a:endParaRPr lang="en-US"/>
+          </a:p>
+        </p:txBody>
+      </p:sp>
+      <p:sp>
+        <p:nvSpPr>
+          <p:cNvPr id="11" name="Up Arrow 10"/>
+          <p:cNvSpPr/>
+          <p:nvPr/>
+        </p:nvSpPr>
+        <p:spPr>
+          <a:xfrm>
+            <a:off x="2801328" y="4911242"/>
+            <a:ext cx="242781" cy="877675"/>
+          </a:xfrm>
+          <a:prstGeom prst="upArrow">
+            <a:avLst/>
+          </a:prstGeom>
+        </p:spPr>
+        <p:style>
+          <a:lnRef idx="1">
+            <a:schemeClr val="dk1"/>
+          </a:lnRef>
+          <a:fillRef idx="3">
+            <a:schemeClr val="dk1"/>
+          </a:fillRef>
+          <a:effectRef idx="2">
+            <a:schemeClr val="dk1"/>
+          </a:effectRef>
+          <a:fontRef idx="minor">
+            <a:schemeClr val="lt1"/>
+          </a:fontRef>
+        </p:style>
+        <p:txBody>
+          <a:bodyPr rtlCol="0" anchor="ctr"/>
+          <a:lstStyle/>
+          <a:p>
+            <a:pPr algn="ctr"/>
+            <a:endParaRPr lang="en-US"/>
+          </a:p>
+        </p:txBody>
+      </p:sp>
+      <p:sp>
+        <p:nvSpPr>
+          <p:cNvPr id="13" name="Down Arrow 12"/>
+          <p:cNvSpPr/>
+          <p:nvPr/>
+        </p:nvSpPr>
+        <p:spPr>
+          <a:xfrm>
+            <a:off x="5400221" y="4911242"/>
+            <a:ext cx="261457" cy="877675"/>
+          </a:xfrm>
+          <a:prstGeom prst="downArrow">
+            <a:avLst/>
+          </a:prstGeom>
+        </p:spPr>
+        <p:style>
+          <a:lnRef idx="1">
+            <a:schemeClr val="dk1"/>
+          </a:lnRef>
+          <a:fillRef idx="3">
+            <a:schemeClr val="dk1"/>
+          </a:fillRef>
+          <a:effectRef idx="2">
+            <a:schemeClr val="dk1"/>
+          </a:effectRef>
+          <a:fontRef idx="minor">
+            <a:schemeClr val="lt1"/>
+          </a:fontRef>
+        </p:style>
+        <p:txBody>
+          <a:bodyPr rtlCol="0" anchor="ctr"/>
+          <a:lstStyle/>
+          <a:p>
+            <a:pPr algn="ctr"/>
+            <a:endParaRPr lang="en-US"/>
+          </a:p>
+        </p:txBody>
+      </p:sp>
+      <p:sp>
+        <p:nvSpPr>
+          <p:cNvPr id="14" name="Up Arrow 13"/>
+          <p:cNvSpPr/>
+          <p:nvPr/>
+        </p:nvSpPr>
+        <p:spPr>
+          <a:xfrm>
+            <a:off x="7230422" y="4911242"/>
+            <a:ext cx="242781" cy="877675"/>
+          </a:xfrm>
+          <a:prstGeom prst="upArrow">
+            <a:avLst/>
+          </a:prstGeom>
+        </p:spPr>
+        <p:style>
+          <a:lnRef idx="1">
+            <a:schemeClr val="dk1"/>
+          </a:lnRef>
+          <a:fillRef idx="3">
+            <a:schemeClr val="dk1"/>
+          </a:fillRef>
+          <a:effectRef idx="2">
+            <a:schemeClr val="dk1"/>
+          </a:effectRef>
+          <a:fontRef idx="minor">
+            <a:schemeClr val="lt1"/>
+          </a:fontRef>
+        </p:style>
+        <p:txBody>
+          <a:bodyPr rtlCol="0" anchor="ctr"/>
+          <a:lstStyle/>
+          <a:p>
+            <a:pPr algn="ctr"/>
+            <a:endParaRPr lang="en-US"/>
+          </a:p>
+        </p:txBody>
+      </p:sp>
+      <p:pic>
+        <p:nvPicPr>
+          <p:cNvPr id="15" name="Picture 14" descr="genericwindowsphone8-1372804975-0.png"/>
+          <p:cNvPicPr>
+            <a:picLocks noChangeAspect="1"/>
+          </p:cNvPicPr>
+          <p:nvPr/>
+        </p:nvPicPr>
+        <p:blipFill>
+          <a:blip r:embed="rId2">
+            <a:extLst>
+              <a:ext uri="{28A0092B-C50C-407E-A947-70E740481C1C}">
+                <a14:useLocalDpi xmlns:a14="http://schemas.microsoft.com/office/drawing/2010/main" val="0"/>
+              </a:ext>
+            </a:extLst>
+          </a:blip>
+          <a:stretch>
+            <a:fillRect/>
+          </a:stretch>
+        </p:blipFill>
+        <p:spPr>
+          <a:xfrm>
+            <a:off x="237736" y="251769"/>
+            <a:ext cx="533005" cy="938961"/>
+          </a:xfrm>
+          <a:prstGeom prst="rect">
+            <a:avLst/>
+          </a:prstGeom>
+        </p:spPr>
+      </p:pic>
+      <p:pic>
+        <p:nvPicPr>
+          <p:cNvPr id="16" name="Picture 15" descr="genericwindowsphone8-1372804975-0.png"/>
+          <p:cNvPicPr>
+            <a:picLocks noChangeAspect="1"/>
+          </p:cNvPicPr>
+          <p:nvPr/>
+        </p:nvPicPr>
+        <p:blipFill>
+          <a:blip r:embed="rId2">
+            <a:extLst>
+              <a:ext uri="{28A0092B-C50C-407E-A947-70E740481C1C}">
+                <a14:useLocalDpi xmlns:a14="http://schemas.microsoft.com/office/drawing/2010/main" val="0"/>
+              </a:ext>
+            </a:extLst>
+          </a:blip>
+          <a:stretch>
+            <a:fillRect/>
+          </a:stretch>
+        </p:blipFill>
+        <p:spPr>
+          <a:xfrm>
+            <a:off x="1056296" y="251769"/>
+            <a:ext cx="533005" cy="938961"/>
+          </a:xfrm>
+          <a:prstGeom prst="rect">
+            <a:avLst/>
+          </a:prstGeom>
+        </p:spPr>
+      </p:pic>
+      <p:pic>
+        <p:nvPicPr>
+          <p:cNvPr id="17" name="Picture 16" descr="genericwindowsphone8-1372804975-0.png"/>
+          <p:cNvPicPr>
+            <a:picLocks noChangeAspect="1"/>
+          </p:cNvPicPr>
+          <p:nvPr/>
+        </p:nvPicPr>
+        <p:blipFill>
+          <a:blip r:embed="rId2">
+            <a:extLst>
+              <a:ext uri="{28A0092B-C50C-407E-A947-70E740481C1C}">
+                <a14:useLocalDpi xmlns:a14="http://schemas.microsoft.com/office/drawing/2010/main" val="0"/>
+              </a:ext>
+            </a:extLst>
+          </a:blip>
+          <a:stretch>
+            <a:fillRect/>
+          </a:stretch>
+        </p:blipFill>
+        <p:spPr>
+          <a:xfrm>
+            <a:off x="2777606" y="251769"/>
+            <a:ext cx="533005" cy="938961"/>
+          </a:xfrm>
+          <a:prstGeom prst="rect">
+            <a:avLst/>
+          </a:prstGeom>
+        </p:spPr>
+      </p:pic>
+      <p:cxnSp>
+        <p:nvCxnSpPr>
+          <p:cNvPr id="19" name="Straight Arrow Connector 18"/>
+          <p:cNvCxnSpPr>
+            <a:stCxn id="15" idx="2"/>
+          </p:cNvCxnSpPr>
+          <p:nvPr/>
+        </p:nvCxnSpPr>
+        <p:spPr>
+          <a:xfrm>
+            <a:off x="504239" y="1190730"/>
+            <a:ext cx="504239" cy="1927815"/>
+          </a:xfrm>
+          <a:prstGeom prst="straightConnector1">
+            <a:avLst/>
+          </a:prstGeom>
+          <a:ln>
+            <a:tailEnd type="arrow"/>
+          </a:ln>
+        </p:spPr>
+        <p:style>
+          <a:lnRef idx="2">
+            <a:schemeClr val="accent1"/>
+          </a:lnRef>
+          <a:fillRef idx="0">
+            <a:schemeClr val="accent1"/>
+          </a:fillRef>
+          <a:effectRef idx="1">
+            <a:schemeClr val="accent1"/>
+          </a:effectRef>
+          <a:fontRef idx="minor">
+            <a:schemeClr val="tx1"/>
+          </a:fontRef>
+        </p:style>
+      </p:cxnSp>
+      <p:cxnSp>
+        <p:nvCxnSpPr>
+          <p:cNvPr id="20" name="Straight Arrow Connector 19"/>
+          <p:cNvCxnSpPr>
+            <a:stCxn id="16" idx="2"/>
+            <a:endCxn id="4" idx="0"/>
+          </p:cNvCxnSpPr>
+          <p:nvPr/>
+        </p:nvCxnSpPr>
+        <p:spPr>
+          <a:xfrm flipH="1">
+            <a:off x="1288611" y="1190730"/>
+            <a:ext cx="34188" cy="1927815"/>
+          </a:xfrm>
+          <a:prstGeom prst="straightConnector1">
+            <a:avLst/>
+          </a:prstGeom>
+          <a:ln>
+            <a:tailEnd type="arrow"/>
+          </a:ln>
+        </p:spPr>
+        <p:style>
+          <a:lnRef idx="2">
+            <a:schemeClr val="accent1"/>
+          </a:lnRef>
+          <a:fillRef idx="0">
+            <a:schemeClr val="accent1"/>
+          </a:fillRef>
+          <a:effectRef idx="1">
+            <a:schemeClr val="accent1"/>
+          </a:effectRef>
+          <a:fontRef idx="minor">
+            <a:schemeClr val="tx1"/>
+          </a:fontRef>
+        </p:style>
+      </p:cxnSp>
+      <p:cxnSp>
+        <p:nvCxnSpPr>
+          <p:cNvPr id="24" name="Straight Arrow Connector 23"/>
+          <p:cNvCxnSpPr>
+            <a:stCxn id="17" idx="2"/>
+          </p:cNvCxnSpPr>
+          <p:nvPr/>
+        </p:nvCxnSpPr>
+        <p:spPr>
+          <a:xfrm flipH="1">
+            <a:off x="1589301" y="1190730"/>
+            <a:ext cx="1454808" cy="1927815"/>
+          </a:xfrm>
+          <a:prstGeom prst="straightConnector1">
+            <a:avLst/>
+          </a:prstGeom>
+          <a:ln>
+            <a:tailEnd type="arrow"/>
+          </a:ln>
+        </p:spPr>
+        <p:style>
+          <a:lnRef idx="2">
+            <a:schemeClr val="accent1"/>
+          </a:lnRef>
+          <a:fillRef idx="0">
+            <a:schemeClr val="accent1"/>
+          </a:fillRef>
+          <a:effectRef idx="1">
+            <a:schemeClr val="accent1"/>
+          </a:effectRef>
+          <a:fontRef idx="minor">
+            <a:schemeClr val="tx1"/>
+          </a:fontRef>
+        </p:style>
+      </p:cxnSp>
+      <p:sp>
+        <p:nvSpPr>
+          <p:cNvPr id="29" name="TextBox 28"/>
+          <p:cNvSpPr txBox="1"/>
+          <p:nvPr/>
+        </p:nvSpPr>
+        <p:spPr>
+          <a:xfrm>
+            <a:off x="1973385" y="664308"/>
+            <a:ext cx="706406" cy="369332"/>
+          </a:xfrm>
+          <a:prstGeom prst="rect">
+            <a:avLst/>
+          </a:prstGeom>
+          <a:noFill/>
+        </p:spPr>
+        <p:txBody>
+          <a:bodyPr wrap="none" rtlCol="0">
+            <a:spAutoFit/>
+          </a:bodyPr>
+          <a:lstStyle/>
+          <a:p>
+            <a:r>
+              <a:rPr lang="en-US" dirty="0"/>
+              <a:t>o</a:t>
+            </a:r>
+            <a:r>
+              <a:rPr lang="en-US" dirty="0" smtClean="0"/>
+              <a:t> o  o </a:t>
+            </a:r>
+            <a:endParaRPr lang="en-US" dirty="0"/>
+          </a:p>
+        </p:txBody>
+      </p:sp>
+      <p:sp>
+        <p:nvSpPr>
+          <p:cNvPr id="30" name="Rectangle 29"/>
+          <p:cNvSpPr/>
+          <p:nvPr/>
+        </p:nvSpPr>
+        <p:spPr>
+          <a:xfrm>
+            <a:off x="5099538" y="251769"/>
+            <a:ext cx="3341796" cy="1663000"/>
+          </a:xfrm>
+          <a:prstGeom prst="rect">
+            <a:avLst/>
+          </a:prstGeom>
+        </p:spPr>
+        <p:style>
+          <a:lnRef idx="1">
+            <a:schemeClr val="accent1"/>
+          </a:lnRef>
+          <a:fillRef idx="3">
+            <a:schemeClr val="accent1"/>
+          </a:fillRef>
+          <a:effectRef idx="2">
+            <a:schemeClr val="accent1"/>
+          </a:effectRef>
+          <a:fontRef idx="minor">
+            <a:schemeClr val="lt1"/>
+          </a:fontRef>
+        </p:style>
+        <p:txBody>
+          <a:bodyPr rtlCol="0" anchor="ctr"/>
+          <a:lstStyle/>
+          <a:p>
+            <a:pPr algn="ctr"/>
+            <a:r>
+              <a:rPr lang="en-US" dirty="0" smtClean="0"/>
+              <a:t>WEBAPP SERVERS</a:t>
+            </a:r>
+            <a:endParaRPr lang="en-US" dirty="0"/>
+          </a:p>
+        </p:txBody>
+      </p:sp>
+      <p:cxnSp>
+        <p:nvCxnSpPr>
+          <p:cNvPr id="34" name="Straight Arrow Connector 33"/>
+          <p:cNvCxnSpPr>
+            <a:stCxn id="30" idx="2"/>
+          </p:cNvCxnSpPr>
+          <p:nvPr/>
+        </p:nvCxnSpPr>
+        <p:spPr>
+          <a:xfrm>
+            <a:off x="6770436" y="1914769"/>
+            <a:ext cx="263410" cy="1203776"/>
+          </a:xfrm>
+          <a:prstGeom prst="straightConnector1">
+            <a:avLst/>
+          </a:prstGeom>
+          <a:ln>
+            <a:headEnd type="arrow"/>
+            <a:tailEnd type="arrow"/>
+          </a:ln>
+        </p:spPr>
+        <p:style>
+          <a:lnRef idx="2">
+            <a:schemeClr val="accent1"/>
+          </a:lnRef>
+          <a:fillRef idx="0">
+            <a:schemeClr val="accent1"/>
+          </a:fillRef>
+          <a:effectRef idx="1">
+            <a:schemeClr val="accent1"/>
+          </a:effectRef>
+          <a:fontRef idx="minor">
+            <a:schemeClr val="tx1"/>
+          </a:fontRef>
+        </p:style>
+      </p:cxnSp>
+      <p:cxnSp>
+        <p:nvCxnSpPr>
+          <p:cNvPr id="35" name="Straight Arrow Connector 34"/>
+          <p:cNvCxnSpPr>
+            <a:endCxn id="6" idx="0"/>
+          </p:cNvCxnSpPr>
+          <p:nvPr/>
+        </p:nvCxnSpPr>
+        <p:spPr>
+          <a:xfrm flipH="1">
+            <a:off x="7323798" y="1914769"/>
+            <a:ext cx="149406" cy="1203776"/>
+          </a:xfrm>
+          <a:prstGeom prst="straightConnector1">
+            <a:avLst/>
+          </a:prstGeom>
+          <a:ln>
+            <a:headEnd type="arrow"/>
+            <a:tailEnd type="arrow"/>
+          </a:ln>
+        </p:spPr>
+        <p:style>
+          <a:lnRef idx="2">
+            <a:schemeClr val="accent1"/>
+          </a:lnRef>
+          <a:fillRef idx="0">
+            <a:schemeClr val="accent1"/>
+          </a:fillRef>
+          <a:effectRef idx="1">
+            <a:schemeClr val="accent1"/>
+          </a:effectRef>
+          <a:fontRef idx="minor">
+            <a:schemeClr val="tx1"/>
+          </a:fontRef>
+        </p:style>
+      </p:cxnSp>
+      <p:cxnSp>
+        <p:nvCxnSpPr>
+          <p:cNvPr id="38" name="Straight Arrow Connector 37"/>
+          <p:cNvCxnSpPr/>
+          <p:nvPr/>
+        </p:nvCxnSpPr>
+        <p:spPr>
+          <a:xfrm flipH="1">
+            <a:off x="7737231" y="1914769"/>
+            <a:ext cx="370939" cy="1203776"/>
+          </a:xfrm>
+          <a:prstGeom prst="straightConnector1">
+            <a:avLst/>
+          </a:prstGeom>
+          <a:ln>
+            <a:headEnd type="arrow"/>
+            <a:tailEnd type="arrow"/>
+          </a:ln>
+        </p:spPr>
+        <p:style>
+          <a:lnRef idx="2">
+            <a:schemeClr val="accent1"/>
+          </a:lnRef>
+          <a:fillRef idx="0">
+            <a:schemeClr val="accent1"/>
+          </a:fillRef>
+          <a:effectRef idx="1">
+            <a:schemeClr val="accent1"/>
+          </a:effectRef>
+          <a:fontRef idx="minor">
+            <a:schemeClr val="tx1"/>
+          </a:fontRef>
+        </p:style>
+      </p:cxnSp>
+      <p:sp>
+        <p:nvSpPr>
+          <p:cNvPr id="41" name="TextBox 40"/>
+          <p:cNvSpPr txBox="1"/>
+          <p:nvPr/>
+        </p:nvSpPr>
+        <p:spPr>
+          <a:xfrm>
+            <a:off x="2377782" y="2655156"/>
+            <a:ext cx="4392654" cy="369332"/>
+          </a:xfrm>
+          <a:prstGeom prst="rect">
+            <a:avLst/>
+          </a:prstGeom>
+          <a:noFill/>
+        </p:spPr>
+        <p:txBody>
+          <a:bodyPr wrap="square" rtlCol="0">
+            <a:spAutoFit/>
+          </a:bodyPr>
+          <a:lstStyle/>
+          <a:p>
+            <a:r>
+              <a:rPr lang="en-US" dirty="0" smtClean="0"/>
+              <a:t>ZOOKEEPER  COORDINATION SERVERS</a:t>
+            </a:r>
+            <a:endParaRPr lang="en-US" dirty="0"/>
+          </a:p>
+        </p:txBody>
+      </p:sp>
+    </p:spTree>
+    <p:extLst>
+      <p:ext uri="{BB962C8B-B14F-4D97-AF65-F5344CB8AC3E}">
+        <p14:creationId xmlns:p14="http://schemas.microsoft.com/office/powerpoint/2010/main" val="3790266284"/>
+      </p:ext>
+    </p:extLst>
+  </p:cSld>
+  <p:clrMapOvr>
+    <a:masterClrMapping/>
+  </p:clrMapOvr>
+  <p:timing>
+    <p:tnLst>
+      <p:par>
+        <p:cTn xmlns:p14="http://schemas.microsoft.com/office/powerpoint/2010/main" id="1" dur="indefinite" restart="never" nodeType="tmRoot"/>
+      </p:par>
+    </p:tnLst>
+  </p:timing>
+</p:sld>
+</file>
+
+<file path=ppt/slides/slide3.xml><?xml version="1.0" encoding="utf-8"?>
+<p:sld xmlns:a="http://schemas.openxmlformats.org/drawingml/2006/main" xmlns:r="http://schemas.openxmlformats.org/officeDocument/2006/relationships" xmlns:p="http://schemas.openxmlformats.org/presentationml/2006/main">
+  <p:cSld>
+    <p:spTree>
+      <p:nvGrpSpPr>
+        <p:cNvPr id="1" name=""/>
+        <p:cNvGrpSpPr/>
+        <p:nvPr/>
+      </p:nvGrpSpPr>
+      <p:grpSpPr>
+        <a:xfrm>
+          <a:off x="0" y="0"/>
+          <a:ext cx="0" cy="0"/>
+          <a:chOff x="0" y="0"/>
+          <a:chExt cx="0" cy="0"/>
+        </a:xfrm>
+      </p:grpSpPr>
+      <p:sp>
+        <p:nvSpPr>
+          <p:cNvPr id="27" name="Rectangle 26"/>
+          <p:cNvSpPr/>
+          <p:nvPr/>
+        </p:nvSpPr>
+        <p:spPr>
+          <a:xfrm>
+            <a:off x="168080" y="317457"/>
+            <a:ext cx="4687554" cy="5676874"/>
+          </a:xfrm>
+          <a:prstGeom prst="rect">
+            <a:avLst/>
+          </a:prstGeom>
+        </p:spPr>
+        <p:style>
+          <a:lnRef idx="1">
+            <a:schemeClr val="dk1"/>
+          </a:lnRef>
+          <a:fillRef idx="2">
+            <a:schemeClr val="dk1"/>
+          </a:fillRef>
+          <a:effectRef idx="1">
+            <a:schemeClr val="dk1"/>
+          </a:effectRef>
+          <a:fontRef idx="minor">
+            <a:schemeClr val="dk1"/>
+          </a:fontRef>
+        </p:style>
+        <p:txBody>
+          <a:bodyPr rtlCol="0" anchor="ctr"/>
+          <a:lstStyle/>
+          <a:p>
+            <a:endParaRPr lang="en-US" dirty="0"/>
+          </a:p>
+        </p:txBody>
+      </p:sp>
+      <p:sp>
+        <p:nvSpPr>
+          <p:cNvPr id="4" name="Isosceles Triangle 3"/>
+          <p:cNvSpPr/>
+          <p:nvPr/>
+        </p:nvSpPr>
+        <p:spPr>
+          <a:xfrm rot="5400000">
+            <a:off x="317433" y="1811436"/>
+            <a:ext cx="765696" cy="560218"/>
+          </a:xfrm>
+          <a:prstGeom prst="triangle">
+            <a:avLst/>
+          </a:prstGeom>
+        </p:spPr>
+        <p:style>
+          <a:lnRef idx="1">
+            <a:schemeClr val="accent5"/>
+          </a:lnRef>
+          <a:fillRef idx="3">
+            <a:schemeClr val="accent5"/>
+          </a:fillRef>
+          <a:effectRef idx="2">
+            <a:schemeClr val="accent5"/>
+          </a:effectRef>
+          <a:fontRef idx="minor">
+            <a:schemeClr val="lt1"/>
+          </a:fontRef>
+        </p:style>
+        <p:txBody>
+          <a:bodyPr rtlCol="0" anchor="ctr"/>
+          <a:lstStyle/>
+          <a:p>
+            <a:pPr algn="ctr"/>
+            <a:endParaRPr lang="en-US"/>
+          </a:p>
+        </p:txBody>
+      </p:sp>
+      <p:sp>
+        <p:nvSpPr>
+          <p:cNvPr id="5" name="Oval 4"/>
+          <p:cNvSpPr/>
+          <p:nvPr/>
+        </p:nvSpPr>
+        <p:spPr>
+          <a:xfrm>
+            <a:off x="2185036" y="920017"/>
+            <a:ext cx="762000" cy="774313"/>
+          </a:xfrm>
+          <a:prstGeom prst="ellipse">
+            <a:avLst/>
+          </a:prstGeom>
+        </p:spPr>
+        <p:style>
+          <a:lnRef idx="1">
+            <a:schemeClr val="accent6"/>
+          </a:lnRef>
+          <a:fillRef idx="3">
+            <a:schemeClr val="accent6"/>
+          </a:fillRef>
+          <a:effectRef idx="2">
+            <a:schemeClr val="accent6"/>
+          </a:effectRef>
+          <a:fontRef idx="minor">
+            <a:schemeClr val="lt1"/>
+          </a:fontRef>
+        </p:style>
+        <p:txBody>
+          <a:bodyPr rtlCol="0" anchor="ctr"/>
+          <a:lstStyle/>
+          <a:p>
+            <a:pPr algn="ctr"/>
+            <a:endParaRPr lang="en-US"/>
+          </a:p>
+        </p:txBody>
+      </p:sp>
+      <p:sp>
+        <p:nvSpPr>
+          <p:cNvPr id="7" name="Oval 6"/>
+          <p:cNvSpPr/>
+          <p:nvPr/>
+        </p:nvSpPr>
+        <p:spPr>
+          <a:xfrm>
+            <a:off x="2179421" y="2908987"/>
+            <a:ext cx="762000" cy="774313"/>
+          </a:xfrm>
+          <a:prstGeom prst="ellipse">
+            <a:avLst/>
+          </a:prstGeom>
+        </p:spPr>
+        <p:style>
+          <a:lnRef idx="1">
+            <a:schemeClr val="accent6"/>
+          </a:lnRef>
+          <a:fillRef idx="3">
+            <a:schemeClr val="accent6"/>
+          </a:fillRef>
+          <a:effectRef idx="2">
+            <a:schemeClr val="accent6"/>
+          </a:effectRef>
+          <a:fontRef idx="minor">
+            <a:schemeClr val="lt1"/>
+          </a:fontRef>
+        </p:style>
+        <p:txBody>
+          <a:bodyPr rtlCol="0" anchor="ctr"/>
+          <a:lstStyle/>
+          <a:p>
+            <a:pPr algn="ctr"/>
+            <a:endParaRPr lang="en-US"/>
+          </a:p>
+        </p:txBody>
+      </p:sp>
+      <p:sp>
+        <p:nvSpPr>
+          <p:cNvPr id="8" name="Oval 7"/>
+          <p:cNvSpPr/>
+          <p:nvPr/>
+        </p:nvSpPr>
+        <p:spPr>
+          <a:xfrm>
+            <a:off x="2185036" y="4746284"/>
+            <a:ext cx="762000" cy="774313"/>
+          </a:xfrm>
+          <a:prstGeom prst="ellipse">
+            <a:avLst/>
+          </a:prstGeom>
+        </p:spPr>
+        <p:style>
+          <a:lnRef idx="1">
+            <a:schemeClr val="accent6"/>
+          </a:lnRef>
+          <a:fillRef idx="3">
+            <a:schemeClr val="accent6"/>
+          </a:fillRef>
+          <a:effectRef idx="2">
+            <a:schemeClr val="accent6"/>
+          </a:effectRef>
+          <a:fontRef idx="minor">
+            <a:schemeClr val="lt1"/>
+          </a:fontRef>
+        </p:style>
+        <p:txBody>
+          <a:bodyPr rtlCol="0" anchor="ctr"/>
+          <a:lstStyle/>
+          <a:p>
+            <a:pPr algn="ctr"/>
+            <a:endParaRPr lang="en-US"/>
+          </a:p>
+        </p:txBody>
+      </p:sp>
+      <p:cxnSp>
+        <p:nvCxnSpPr>
+          <p:cNvPr id="11" name="Straight Arrow Connector 10"/>
+          <p:cNvCxnSpPr>
+            <a:stCxn id="4" idx="0"/>
+            <a:endCxn id="5" idx="2"/>
+          </p:cNvCxnSpPr>
+          <p:nvPr/>
+        </p:nvCxnSpPr>
+        <p:spPr>
+          <a:xfrm flipV="1">
+            <a:off x="980390" y="1307174"/>
+            <a:ext cx="1204646" cy="784371"/>
+          </a:xfrm>
+          <a:prstGeom prst="straightConnector1">
+            <a:avLst/>
+          </a:prstGeom>
+          <a:ln>
+            <a:tailEnd type="arrow"/>
+          </a:ln>
+        </p:spPr>
+        <p:style>
+          <a:lnRef idx="2">
+            <a:schemeClr val="dk1"/>
+          </a:lnRef>
+          <a:fillRef idx="0">
+            <a:schemeClr val="dk1"/>
+          </a:fillRef>
+          <a:effectRef idx="1">
+            <a:schemeClr val="dk1"/>
+          </a:effectRef>
+          <a:fontRef idx="minor">
+            <a:schemeClr val="tx1"/>
+          </a:fontRef>
+        </p:style>
+      </p:cxnSp>
+      <p:cxnSp>
+        <p:nvCxnSpPr>
+          <p:cNvPr id="14" name="Straight Arrow Connector 13"/>
+          <p:cNvCxnSpPr>
+            <a:stCxn id="4" idx="0"/>
+            <a:endCxn id="7" idx="2"/>
+          </p:cNvCxnSpPr>
+          <p:nvPr/>
+        </p:nvCxnSpPr>
+        <p:spPr>
+          <a:xfrm>
+            <a:off x="980390" y="2091545"/>
+            <a:ext cx="1199031" cy="1204599"/>
+          </a:xfrm>
+          <a:prstGeom prst="straightConnector1">
+            <a:avLst/>
+          </a:prstGeom>
+          <a:ln>
+            <a:tailEnd type="arrow"/>
+          </a:ln>
+        </p:spPr>
+        <p:style>
+          <a:lnRef idx="2">
+            <a:schemeClr val="dk1"/>
+          </a:lnRef>
+          <a:fillRef idx="0">
+            <a:schemeClr val="dk1"/>
+          </a:fillRef>
+          <a:effectRef idx="1">
+            <a:schemeClr val="dk1"/>
+          </a:effectRef>
+          <a:fontRef idx="minor">
+            <a:schemeClr val="tx1"/>
+          </a:fontRef>
+        </p:style>
+      </p:cxnSp>
+      <p:cxnSp>
+        <p:nvCxnSpPr>
+          <p:cNvPr id="17" name="Straight Arrow Connector 16"/>
+          <p:cNvCxnSpPr>
+            <a:stCxn id="4" idx="0"/>
+            <a:endCxn id="8" idx="2"/>
+          </p:cNvCxnSpPr>
+          <p:nvPr/>
+        </p:nvCxnSpPr>
+        <p:spPr>
+          <a:xfrm>
+            <a:off x="980390" y="2091545"/>
+            <a:ext cx="1204646" cy="3041896"/>
+          </a:xfrm>
+          <a:prstGeom prst="straightConnector1">
+            <a:avLst/>
+          </a:prstGeom>
+          <a:ln>
+            <a:tailEnd type="arrow"/>
+          </a:ln>
+        </p:spPr>
+        <p:style>
+          <a:lnRef idx="2">
+            <a:schemeClr val="dk1"/>
+          </a:lnRef>
+          <a:fillRef idx="0">
+            <a:schemeClr val="dk1"/>
+          </a:fillRef>
+          <a:effectRef idx="1">
+            <a:schemeClr val="dk1"/>
+          </a:effectRef>
+          <a:fontRef idx="minor">
+            <a:schemeClr val="tx1"/>
+          </a:fontRef>
+        </p:style>
+      </p:cxnSp>
+      <p:sp>
+        <p:nvSpPr>
+          <p:cNvPr id="22" name="TextBox 21"/>
+          <p:cNvSpPr txBox="1"/>
+          <p:nvPr/>
+        </p:nvSpPr>
+        <p:spPr>
+          <a:xfrm>
+            <a:off x="2349806" y="1727429"/>
+            <a:ext cx="410862" cy="1200329"/>
+          </a:xfrm>
+          <a:prstGeom prst="rect">
+            <a:avLst/>
+          </a:prstGeom>
+          <a:noFill/>
+        </p:spPr>
+        <p:txBody>
+          <a:bodyPr wrap="square" rtlCol="0">
+            <a:spAutoFit/>
+          </a:bodyPr>
+          <a:lstStyle/>
+          <a:p>
+            <a:r>
+              <a:rPr lang="en-US" dirty="0" smtClean="0"/>
+              <a:t>o</a:t>
+            </a:r>
+          </a:p>
+          <a:p>
+            <a:r>
+              <a:rPr lang="en-US" dirty="0" smtClean="0"/>
+              <a:t>o</a:t>
+            </a:r>
+          </a:p>
+          <a:p>
+            <a:r>
+              <a:rPr lang="en-US" dirty="0" smtClean="0"/>
+              <a:t>o</a:t>
+            </a:r>
+          </a:p>
+          <a:p>
+            <a:endParaRPr lang="en-US" dirty="0"/>
+          </a:p>
+        </p:txBody>
+      </p:sp>
+      <p:sp>
+        <p:nvSpPr>
+          <p:cNvPr id="23" name="Rectangle 22"/>
+          <p:cNvSpPr/>
+          <p:nvPr/>
+        </p:nvSpPr>
+        <p:spPr>
+          <a:xfrm>
+            <a:off x="5359873" y="794297"/>
+            <a:ext cx="784372" cy="4695838"/>
+          </a:xfrm>
+          <a:prstGeom prst="rect">
+            <a:avLst/>
+          </a:prstGeom>
+        </p:spPr>
+        <p:style>
+          <a:lnRef idx="1">
+            <a:schemeClr val="accent4"/>
+          </a:lnRef>
+          <a:fillRef idx="3">
+            <a:schemeClr val="accent4"/>
+          </a:fillRef>
+          <a:effectRef idx="2">
+            <a:schemeClr val="accent4"/>
+          </a:effectRef>
+          <a:fontRef idx="minor">
+            <a:schemeClr val="lt1"/>
+          </a:fontRef>
+        </p:style>
+        <p:txBody>
+          <a:bodyPr rtlCol="0" anchor="ctr"/>
+          <a:lstStyle/>
+          <a:p>
+            <a:pPr algn="ctr"/>
+            <a:r>
+              <a:rPr lang="en-US" dirty="0" smtClean="0"/>
+              <a:t>K</a:t>
+            </a:r>
+          </a:p>
+          <a:p>
+            <a:pPr algn="ctr"/>
+            <a:r>
+              <a:rPr lang="en-US" dirty="0" smtClean="0"/>
+              <a:t>A</a:t>
+            </a:r>
+          </a:p>
+          <a:p>
+            <a:pPr algn="ctr"/>
+            <a:r>
+              <a:rPr lang="en-US" dirty="0" smtClean="0"/>
+              <a:t>F</a:t>
+            </a:r>
+          </a:p>
+          <a:p>
+            <a:pPr algn="ctr"/>
+            <a:r>
+              <a:rPr lang="en-US" dirty="0" smtClean="0"/>
+              <a:t>K</a:t>
+            </a:r>
+          </a:p>
+          <a:p>
+            <a:pPr algn="ctr"/>
+            <a:r>
+              <a:rPr lang="en-US" dirty="0" smtClean="0"/>
+              <a:t>A</a:t>
+            </a:r>
+          </a:p>
+          <a:p>
+            <a:pPr algn="ctr"/>
+            <a:endParaRPr lang="en-US" dirty="0"/>
+          </a:p>
+          <a:p>
+            <a:pPr algn="ctr"/>
+            <a:r>
+              <a:rPr lang="en-US" dirty="0" smtClean="0"/>
+              <a:t>Q</a:t>
+            </a:r>
+          </a:p>
+          <a:p>
+            <a:pPr algn="ctr"/>
+            <a:r>
+              <a:rPr lang="en-US" dirty="0" smtClean="0"/>
+              <a:t>U</a:t>
+            </a:r>
+          </a:p>
+          <a:p>
+            <a:pPr algn="ctr"/>
+            <a:r>
+              <a:rPr lang="en-US" dirty="0" smtClean="0"/>
+              <a:t>E</a:t>
+            </a:r>
+          </a:p>
+          <a:p>
+            <a:pPr algn="ctr"/>
+            <a:r>
+              <a:rPr lang="en-US" dirty="0" smtClean="0"/>
+              <a:t>U</a:t>
+            </a:r>
+          </a:p>
+          <a:p>
+            <a:pPr algn="ctr"/>
+            <a:r>
+              <a:rPr lang="en-US" dirty="0" smtClean="0"/>
+              <a:t>E</a:t>
+            </a:r>
+          </a:p>
+          <a:p>
+            <a:pPr algn="ctr"/>
+            <a:endParaRPr lang="en-US" dirty="0"/>
+          </a:p>
+        </p:txBody>
+      </p:sp>
+      <p:sp>
+        <p:nvSpPr>
+          <p:cNvPr id="25" name="Right Arrow 24"/>
+          <p:cNvSpPr/>
+          <p:nvPr/>
+        </p:nvSpPr>
+        <p:spPr>
+          <a:xfrm>
+            <a:off x="4440926" y="2628878"/>
+            <a:ext cx="918947" cy="451410"/>
+          </a:xfrm>
+          <a:prstGeom prst="rightArrow">
+            <a:avLst/>
+          </a:prstGeom>
+        </p:spPr>
+        <p:style>
+          <a:lnRef idx="1">
+            <a:schemeClr val="dk1"/>
+          </a:lnRef>
+          <a:fillRef idx="3">
+            <a:schemeClr val="dk1"/>
+          </a:fillRef>
+          <a:effectRef idx="2">
+            <a:schemeClr val="dk1"/>
+          </a:effectRef>
+          <a:fontRef idx="minor">
+            <a:schemeClr val="lt1"/>
+          </a:fontRef>
+        </p:style>
+        <p:txBody>
+          <a:bodyPr rtlCol="0" anchor="ctr"/>
+          <a:lstStyle/>
+          <a:p>
+            <a:pPr algn="ctr"/>
+            <a:endParaRPr lang="en-US"/>
+          </a:p>
+        </p:txBody>
+      </p:sp>
+      <p:sp>
+        <p:nvSpPr>
+          <p:cNvPr id="28" name="TextBox 27"/>
+          <p:cNvSpPr txBox="1"/>
+          <p:nvPr/>
+        </p:nvSpPr>
+        <p:spPr>
+          <a:xfrm>
+            <a:off x="168080" y="4129850"/>
+            <a:ext cx="2773341" cy="369332"/>
+          </a:xfrm>
+          <a:prstGeom prst="rect">
+            <a:avLst/>
+          </a:prstGeom>
+          <a:noFill/>
+        </p:spPr>
+        <p:txBody>
+          <a:bodyPr wrap="square" rtlCol="0">
+            <a:spAutoFit/>
+          </a:bodyPr>
+          <a:lstStyle/>
+          <a:p>
+            <a:r>
+              <a:rPr lang="en-US" dirty="0" smtClean="0"/>
+              <a:t>FIELDS GROUPING (IMEI)</a:t>
+            </a:r>
+            <a:endParaRPr lang="en-US" dirty="0"/>
+          </a:p>
+        </p:txBody>
+      </p:sp>
+      <p:sp>
+        <p:nvSpPr>
+          <p:cNvPr id="29" name="TextBox 28"/>
+          <p:cNvSpPr txBox="1"/>
+          <p:nvPr/>
+        </p:nvSpPr>
+        <p:spPr>
+          <a:xfrm>
+            <a:off x="420172" y="1157784"/>
+            <a:ext cx="868439" cy="646331"/>
+          </a:xfrm>
+          <a:prstGeom prst="rect">
+            <a:avLst/>
+          </a:prstGeom>
+          <a:noFill/>
+        </p:spPr>
+        <p:txBody>
+          <a:bodyPr wrap="square" rtlCol="0">
+            <a:spAutoFit/>
+          </a:bodyPr>
+          <a:lstStyle/>
+          <a:p>
+            <a:r>
+              <a:rPr lang="en-US" dirty="0" smtClean="0"/>
+              <a:t>KAFKA SPOUT</a:t>
+            </a:r>
+            <a:endParaRPr lang="en-US" dirty="0"/>
+          </a:p>
+        </p:txBody>
+      </p:sp>
+      <p:sp>
+        <p:nvSpPr>
+          <p:cNvPr id="31" name="TextBox 30"/>
+          <p:cNvSpPr txBox="1"/>
+          <p:nvPr/>
+        </p:nvSpPr>
+        <p:spPr>
+          <a:xfrm>
+            <a:off x="980390" y="424965"/>
+            <a:ext cx="2670598" cy="369332"/>
+          </a:xfrm>
+          <a:prstGeom prst="rect">
+            <a:avLst/>
+          </a:prstGeom>
+          <a:noFill/>
+        </p:spPr>
+        <p:txBody>
+          <a:bodyPr wrap="square" rtlCol="0">
+            <a:spAutoFit/>
+          </a:bodyPr>
+          <a:lstStyle/>
+          <a:p>
+            <a:r>
+              <a:rPr lang="en-US" dirty="0" smtClean="0"/>
+              <a:t>PHONE JSON PARSE BOLT</a:t>
+            </a:r>
+            <a:endParaRPr lang="en-US" dirty="0"/>
+          </a:p>
+        </p:txBody>
+      </p:sp>
+      <p:sp>
+        <p:nvSpPr>
+          <p:cNvPr id="32" name="Rectangle 31"/>
+          <p:cNvSpPr/>
+          <p:nvPr/>
+        </p:nvSpPr>
+        <p:spPr>
+          <a:xfrm>
+            <a:off x="6984643" y="1993211"/>
+            <a:ext cx="1942254" cy="1736676"/>
+          </a:xfrm>
+          <a:prstGeom prst="rect">
+            <a:avLst/>
+          </a:prstGeom>
+        </p:spPr>
+        <p:style>
+          <a:lnRef idx="1">
+            <a:schemeClr val="accent1"/>
+          </a:lnRef>
+          <a:fillRef idx="3">
+            <a:schemeClr val="accent1"/>
+          </a:fillRef>
+          <a:effectRef idx="2">
+            <a:schemeClr val="accent1"/>
+          </a:effectRef>
+          <a:fontRef idx="minor">
+            <a:schemeClr val="lt1"/>
+          </a:fontRef>
+        </p:style>
+        <p:txBody>
+          <a:bodyPr rtlCol="0" anchor="ctr"/>
+          <a:lstStyle/>
+          <a:p>
+            <a:pPr algn="ctr"/>
+            <a:r>
+              <a:rPr lang="en-US" dirty="0" smtClean="0"/>
+              <a:t>DRUID</a:t>
+            </a:r>
+            <a:endParaRPr lang="en-US" dirty="0"/>
+          </a:p>
+        </p:txBody>
+      </p:sp>
+      <p:sp>
+        <p:nvSpPr>
+          <p:cNvPr id="33" name="Right Arrow 32"/>
+          <p:cNvSpPr/>
+          <p:nvPr/>
+        </p:nvSpPr>
+        <p:spPr>
+          <a:xfrm>
+            <a:off x="6144245" y="2334338"/>
+            <a:ext cx="840398" cy="1012176"/>
+          </a:xfrm>
+          <a:prstGeom prst="rightArrow">
+            <a:avLst/>
+          </a:prstGeom>
+        </p:spPr>
+        <p:style>
+          <a:lnRef idx="1">
+            <a:schemeClr val="dk1"/>
+          </a:lnRef>
+          <a:fillRef idx="3">
+            <a:schemeClr val="dk1"/>
+          </a:fillRef>
+          <a:effectRef idx="2">
+            <a:schemeClr val="dk1"/>
+          </a:effectRef>
+          <a:fontRef idx="minor">
+            <a:schemeClr val="lt1"/>
+          </a:fontRef>
+        </p:style>
+        <p:txBody>
+          <a:bodyPr rtlCol="0" anchor="ctr"/>
+          <a:lstStyle/>
+          <a:p>
+            <a:pPr algn="ctr"/>
+            <a:endParaRPr lang="en-US"/>
+          </a:p>
+        </p:txBody>
+      </p:sp>
+      <p:sp>
+        <p:nvSpPr>
+          <p:cNvPr id="34" name="TextBox 33"/>
+          <p:cNvSpPr txBox="1"/>
+          <p:nvPr/>
+        </p:nvSpPr>
+        <p:spPr>
+          <a:xfrm>
+            <a:off x="420172" y="6203891"/>
+            <a:ext cx="4435462" cy="369332"/>
+          </a:xfrm>
+          <a:prstGeom prst="rect">
+            <a:avLst/>
+          </a:prstGeom>
+          <a:noFill/>
+        </p:spPr>
+        <p:txBody>
+          <a:bodyPr wrap="square" rtlCol="0">
+            <a:spAutoFit/>
+          </a:bodyPr>
+          <a:lstStyle/>
+          <a:p>
+            <a:r>
+              <a:rPr lang="en-US" dirty="0" smtClean="0"/>
+              <a:t>                    </a:t>
+            </a:r>
+            <a:r>
+              <a:rPr lang="en-US" b="1" dirty="0" smtClean="0"/>
+              <a:t>RETINAA</a:t>
+            </a:r>
+            <a:r>
+              <a:rPr lang="en-US" dirty="0" smtClean="0"/>
+              <a:t>  </a:t>
+            </a:r>
+            <a:r>
+              <a:rPr lang="en-US" b="1" dirty="0" smtClean="0"/>
+              <a:t>STORM TOPOLOGY</a:t>
+            </a:r>
+            <a:endParaRPr lang="en-US" b="1" dirty="0"/>
+          </a:p>
+        </p:txBody>
+      </p:sp>
+      <p:sp>
+        <p:nvSpPr>
+          <p:cNvPr id="40" name="Oval 39"/>
+          <p:cNvSpPr/>
+          <p:nvPr/>
+        </p:nvSpPr>
+        <p:spPr>
+          <a:xfrm>
+            <a:off x="3678926" y="2419371"/>
+            <a:ext cx="762000" cy="774313"/>
+          </a:xfrm>
+          <a:prstGeom prst="ellipse">
+            <a:avLst/>
+          </a:prstGeom>
+        </p:spPr>
+        <p:style>
+          <a:lnRef idx="1">
+            <a:schemeClr val="accent6"/>
+          </a:lnRef>
+          <a:fillRef idx="3">
+            <a:schemeClr val="accent6"/>
+          </a:fillRef>
+          <a:effectRef idx="2">
+            <a:schemeClr val="accent6"/>
+          </a:effectRef>
+          <a:fontRef idx="minor">
+            <a:schemeClr val="lt1"/>
+          </a:fontRef>
+        </p:style>
+        <p:txBody>
+          <a:bodyPr rtlCol="0" anchor="ctr"/>
+          <a:lstStyle/>
+          <a:p>
+            <a:pPr algn="ctr"/>
+            <a:endParaRPr lang="en-US"/>
+          </a:p>
+        </p:txBody>
+      </p:sp>
+      <p:sp>
+        <p:nvSpPr>
+          <p:cNvPr id="43" name="TextBox 42"/>
+          <p:cNvSpPr txBox="1"/>
+          <p:nvPr/>
+        </p:nvSpPr>
+        <p:spPr>
+          <a:xfrm>
+            <a:off x="3304803" y="1139111"/>
+            <a:ext cx="2670598" cy="646331"/>
+          </a:xfrm>
+          <a:prstGeom prst="rect">
+            <a:avLst/>
+          </a:prstGeom>
+          <a:noFill/>
+        </p:spPr>
+        <p:txBody>
+          <a:bodyPr wrap="square" rtlCol="0">
+            <a:spAutoFit/>
+          </a:bodyPr>
+          <a:lstStyle/>
+          <a:p>
+            <a:r>
+              <a:rPr lang="en-US" dirty="0" smtClean="0"/>
+              <a:t>     TIMESTAMP </a:t>
+            </a:r>
+          </a:p>
+          <a:p>
+            <a:r>
+              <a:rPr lang="en-US" dirty="0" smtClean="0"/>
+              <a:t>           BOLT</a:t>
+            </a:r>
+            <a:endParaRPr lang="en-US" dirty="0"/>
+          </a:p>
+        </p:txBody>
+      </p:sp>
+      <p:cxnSp>
+        <p:nvCxnSpPr>
+          <p:cNvPr id="46" name="Straight Arrow Connector 45"/>
+          <p:cNvCxnSpPr>
+            <a:stCxn id="5" idx="5"/>
+            <a:endCxn id="40" idx="0"/>
+          </p:cNvCxnSpPr>
+          <p:nvPr/>
+        </p:nvCxnSpPr>
+        <p:spPr>
+          <a:xfrm>
+            <a:off x="2835444" y="1580934"/>
+            <a:ext cx="1224482" cy="838437"/>
+          </a:xfrm>
+          <a:prstGeom prst="straightConnector1">
+            <a:avLst/>
+          </a:prstGeom>
+          <a:ln>
+            <a:tailEnd type="arrow"/>
+          </a:ln>
+        </p:spPr>
+        <p:style>
+          <a:lnRef idx="2">
+            <a:schemeClr val="dk1"/>
+          </a:lnRef>
+          <a:fillRef idx="0">
+            <a:schemeClr val="dk1"/>
+          </a:fillRef>
+          <a:effectRef idx="1">
+            <a:schemeClr val="dk1"/>
+          </a:effectRef>
+          <a:fontRef idx="minor">
+            <a:schemeClr val="tx1"/>
+          </a:fontRef>
+        </p:style>
+      </p:cxnSp>
+      <p:cxnSp>
+        <p:nvCxnSpPr>
+          <p:cNvPr id="49" name="Straight Arrow Connector 48"/>
+          <p:cNvCxnSpPr>
+            <a:stCxn id="7" idx="6"/>
+            <a:endCxn id="40" idx="3"/>
+          </p:cNvCxnSpPr>
+          <p:nvPr/>
+        </p:nvCxnSpPr>
+        <p:spPr>
+          <a:xfrm flipV="1">
+            <a:off x="2941421" y="3080288"/>
+            <a:ext cx="849097" cy="215856"/>
+          </a:xfrm>
+          <a:prstGeom prst="straightConnector1">
+            <a:avLst/>
+          </a:prstGeom>
+          <a:ln>
+            <a:tailEnd type="arrow"/>
+          </a:ln>
+        </p:spPr>
+        <p:style>
+          <a:lnRef idx="2">
+            <a:schemeClr val="dk1"/>
+          </a:lnRef>
+          <a:fillRef idx="0">
+            <a:schemeClr val="dk1"/>
+          </a:fillRef>
+          <a:effectRef idx="1">
+            <a:schemeClr val="dk1"/>
+          </a:effectRef>
+          <a:fontRef idx="minor">
+            <a:schemeClr val="tx1"/>
+          </a:fontRef>
+        </p:style>
+      </p:cxnSp>
+      <p:cxnSp>
+        <p:nvCxnSpPr>
+          <p:cNvPr id="54" name="Straight Arrow Connector 53"/>
+          <p:cNvCxnSpPr>
+            <a:stCxn id="8" idx="6"/>
+            <a:endCxn id="40" idx="4"/>
+          </p:cNvCxnSpPr>
+          <p:nvPr/>
+        </p:nvCxnSpPr>
+        <p:spPr>
+          <a:xfrm flipV="1">
+            <a:off x="2947036" y="3193684"/>
+            <a:ext cx="1112890" cy="1939757"/>
+          </a:xfrm>
+          <a:prstGeom prst="straightConnector1">
+            <a:avLst/>
+          </a:prstGeom>
+          <a:ln>
+            <a:tailEnd type="arrow"/>
+          </a:ln>
+        </p:spPr>
+        <p:style>
+          <a:lnRef idx="2">
+            <a:schemeClr val="dk1"/>
+          </a:lnRef>
+          <a:fillRef idx="0">
+            <a:schemeClr val="dk1"/>
+          </a:fillRef>
+          <a:effectRef idx="1">
+            <a:schemeClr val="dk1"/>
+          </a:effectRef>
+          <a:fontRef idx="minor">
+            <a:schemeClr val="tx1"/>
+          </a:fontRef>
+        </p:style>
+      </p:cxnSp>
+    </p:spTree>
+    <p:extLst>
+      <p:ext uri="{BB962C8B-B14F-4D97-AF65-F5344CB8AC3E}">
+        <p14:creationId xmlns:p14="http://schemas.microsoft.com/office/powerpoint/2010/main" val="2440867865"/>
+      </p:ext>
+    </p:extLst>
+  </p:cSld>
+  <p:clrMapOvr>
+    <a:masterClrMapping/>
+  </p:clrMapOvr>
+  <p:timing>
+    <p:tnLst>
+      <p:par>
+        <p:cTn xmlns:p14="http://schemas.microsoft.com/office/powerpoint/2010/main" id="1" dur="indefinite" restart="never" nodeType="tmRoot"/>
+      </p:par>
+    </p:tnLst>
+  </p:timing>
 </p:sld>
 </file>
 

--- a/report/Retinaa.pptx
+++ b/report/Retinaa.pptx
@@ -3814,7 +3814,14 @@
             <a:pPr algn="ctr"/>
             <a:r>
               <a:rPr lang="en-US" dirty="0" smtClean="0"/>
-              <a:t>INGESTER SERVERS</a:t>
+              <a:t>RETINAA</a:t>
+            </a:r>
+          </a:p>
+          <a:p>
+            <a:pPr algn="ctr"/>
+            <a:r>
+              <a:rPr lang="en-US" dirty="0" smtClean="0"/>
+              <a:t>INGESTOR SERVERS</a:t>
             </a:r>
             <a:endParaRPr lang="en-US" dirty="0"/>
           </a:p>
@@ -4506,6 +4513,69 @@
           </a:p>
         </p:txBody>
       </p:sp>
+      <p:pic>
+        <p:nvPicPr>
+          <p:cNvPr id="42" name="Picture 41" descr="080727-glossy-black-icon-business-computer-laptop2.png"/>
+          <p:cNvPicPr>
+            <a:picLocks noChangeAspect="1"/>
+          </p:cNvPicPr>
+          <p:nvPr/>
+        </p:nvPicPr>
+        <p:blipFill>
+          <a:blip r:embed="rId3">
+            <a:extLst>
+              <a:ext uri="{28A0092B-C50C-407E-A947-70E740481C1C}">
+                <a14:useLocalDpi xmlns:a14="http://schemas.microsoft.com/office/drawing/2010/main" val="0"/>
+              </a:ext>
+            </a:extLst>
+          </a:blip>
+          <a:stretch>
+            <a:fillRect/>
+          </a:stretch>
+        </p:blipFill>
+        <p:spPr>
+          <a:xfrm>
+            <a:off x="3556355" y="0"/>
+            <a:ext cx="1334788" cy="1334788"/>
+          </a:xfrm>
+          <a:prstGeom prst="rect">
+            <a:avLst/>
+          </a:prstGeom>
+        </p:spPr>
+      </p:pic>
+      <p:cxnSp>
+        <p:nvCxnSpPr>
+          <p:cNvPr id="43" name="Straight Arrow Connector 42"/>
+          <p:cNvCxnSpPr/>
+          <p:nvPr/>
+        </p:nvCxnSpPr>
+        <p:spPr>
+          <a:xfrm flipH="1">
+            <a:off x="1973385" y="1033640"/>
+            <a:ext cx="2079202" cy="2084905"/>
+          </a:xfrm>
+          <a:prstGeom prst="straightConnector1">
+            <a:avLst/>
+          </a:prstGeom>
+          <a:ln>
+            <a:tailEnd type="arrow"/>
+          </a:ln>
+        </p:spPr>
+        <p:style>
+          <a:lnRef idx="2">
+            <a:schemeClr val="accent1"/>
+          </a:lnRef>
+          <a:fillRef idx="0">
+            <a:schemeClr val="accent1"/>
+          </a:fillRef>
+          <a:effectRef idx="1">
+            <a:schemeClr val="accent1"/>
+          </a:effectRef>
+          <a:fontRef idx="minor">
+            <a:schemeClr val="tx1"/>
+          </a:fontRef>
+        </p:style>
+      </p:cxnSp>
     </p:spTree>
     <p:extLst>
       <p:ext uri="{BB962C8B-B14F-4D97-AF65-F5344CB8AC3E}">
@@ -4551,8 +4621,8 @@
         </p:nvSpPr>
         <p:spPr>
           <a:xfrm>
-            <a:off x="168080" y="317457"/>
-            <a:ext cx="4687554" cy="5676874"/>
+            <a:off x="168080" y="352927"/>
+            <a:ext cx="4687554" cy="5886434"/>
           </a:xfrm>
           <a:prstGeom prst="rect">
             <a:avLst/>
@@ -4582,13 +4652,51 @@
       </p:sp>
       <p:sp>
         <p:nvSpPr>
+          <p:cNvPr id="77" name="Rectangle 76"/>
+          <p:cNvSpPr/>
+          <p:nvPr/>
+        </p:nvSpPr>
+        <p:spPr>
+          <a:xfrm>
+            <a:off x="168080" y="1993211"/>
+            <a:ext cx="1120531" cy="2951212"/>
+          </a:xfrm>
+          <a:prstGeom prst="rect">
+            <a:avLst/>
+          </a:prstGeom>
+        </p:spPr>
+        <p:style>
+          <a:lnRef idx="1">
+            <a:schemeClr val="accent1"/>
+          </a:lnRef>
+          <a:fillRef idx="2">
+            <a:schemeClr val="accent1"/>
+          </a:fillRef>
+          <a:effectRef idx="1">
+            <a:schemeClr val="accent1"/>
+          </a:effectRef>
+          <a:fontRef idx="minor">
+            <a:schemeClr val="dk1"/>
+          </a:fontRef>
+        </p:style>
+        <p:txBody>
+          <a:bodyPr rtlCol="0" anchor="ctr"/>
+          <a:lstStyle/>
+          <a:p>
+            <a:pPr algn="ctr"/>
+            <a:endParaRPr lang="en-US"/>
+          </a:p>
+        </p:txBody>
+      </p:sp>
+      <p:sp>
+        <p:nvSpPr>
           <p:cNvPr id="4" name="Isosceles Triangle 3"/>
           <p:cNvSpPr/>
           <p:nvPr/>
         </p:nvSpPr>
         <p:spPr>
           <a:xfrm rot="5400000">
-            <a:off x="317433" y="1811436"/>
+            <a:off x="317433" y="2437077"/>
             <a:ext cx="765696" cy="560218"/>
           </a:xfrm>
           <a:prstGeom prst="triangle">
@@ -4702,7 +4810,7 @@
         </p:nvSpPr>
         <p:spPr>
           <a:xfrm>
-            <a:off x="2185036" y="4746284"/>
+            <a:off x="2185036" y="4170110"/>
             <a:ext cx="762000" cy="774313"/>
           </a:xfrm>
           <a:prstGeom prst="ellipse">
@@ -4744,7 +4852,7 @@
         <p:spPr>
           <a:xfrm flipV="1">
             <a:off x="980390" y="1307174"/>
-            <a:ext cx="1204646" cy="784371"/>
+            <a:ext cx="1204646" cy="1410012"/>
           </a:xfrm>
           <a:prstGeom prst="straightConnector1">
             <a:avLst/>
@@ -4779,8 +4887,8 @@
         </p:nvCxnSpPr>
         <p:spPr>
           <a:xfrm>
-            <a:off x="980390" y="2091545"/>
-            <a:ext cx="1199031" cy="1204599"/>
+            <a:off x="980390" y="2717186"/>
+            <a:ext cx="1199031" cy="578958"/>
           </a:xfrm>
           <a:prstGeom prst="straightConnector1">
             <a:avLst/>
@@ -4815,8 +4923,8 @@
         </p:nvCxnSpPr>
         <p:spPr>
           <a:xfrm>
-            <a:off x="980390" y="2091545"/>
-            <a:ext cx="1204646" cy="3041896"/>
+            <a:off x="980390" y="2717186"/>
+            <a:ext cx="1204646" cy="1840081"/>
           </a:xfrm>
           <a:prstGeom prst="straightConnector1">
             <a:avLst/>
@@ -5042,7 +5150,7 @@
         </p:nvSpPr>
         <p:spPr>
           <a:xfrm>
-            <a:off x="168080" y="4129850"/>
+            <a:off x="1054528" y="3683300"/>
             <a:ext cx="2773341" cy="369332"/>
           </a:xfrm>
           <a:prstGeom prst="rect">
@@ -5072,8 +5180,8 @@
         </p:nvSpPr>
         <p:spPr>
           <a:xfrm>
-            <a:off x="420172" y="1157784"/>
-            <a:ext cx="868439" cy="646331"/>
+            <a:off x="219349" y="707009"/>
+            <a:ext cx="1522082" cy="1200329"/>
           </a:xfrm>
           <a:prstGeom prst="rect">
             <a:avLst/>
@@ -5088,7 +5196,19 @@
           <a:p>
             <a:r>
               <a:rPr lang="en-US" dirty="0" smtClean="0"/>
-              <a:t>KAFKA SPOUT</a:t>
+              <a:t>KAFKA </a:t>
+            </a:r>
+          </a:p>
+          <a:p>
+            <a:r>
+              <a:rPr lang="en-US" dirty="0" smtClean="0"/>
+              <a:t>SPOUT</a:t>
+            </a:r>
+          </a:p>
+          <a:p>
+            <a:r>
+              <a:rPr lang="en-US" dirty="0" smtClean="0"/>
+              <a:t>CONSUMER GROUP</a:t>
             </a:r>
             <a:endParaRPr lang="en-US" dirty="0"/>
           </a:p>
@@ -5102,8 +5222,8 @@
         </p:nvSpPr>
         <p:spPr>
           <a:xfrm>
-            <a:off x="980390" y="424965"/>
-            <a:ext cx="2670598" cy="369332"/>
+            <a:off x="1574535" y="424965"/>
+            <a:ext cx="3460536" cy="369332"/>
           </a:xfrm>
           <a:prstGeom prst="rect">
             <a:avLst/>
@@ -5118,7 +5238,7 @@
           <a:p>
             <a:r>
               <a:rPr lang="en-US" dirty="0" smtClean="0"/>
-              <a:t>PHONE JSON PARSE BOLT</a:t>
+              <a:t>PHONE EVENT PARSE BOLT</a:t>
             </a:r>
             <a:endParaRPr lang="en-US" dirty="0"/>
           </a:p>
@@ -5404,7 +5524,7 @@
         <p:spPr>
           <a:xfrm flipV="1">
             <a:off x="2947036" y="3193684"/>
-            <a:ext cx="1112890" cy="1939757"/>
+            <a:ext cx="1112890" cy="1363583"/>
           </a:xfrm>
           <a:prstGeom prst="straightConnector1">
             <a:avLst/>
@@ -5428,6 +5548,201 @@
           </a:fontRef>
         </p:style>
       </p:cxnSp>
+      <p:sp>
+        <p:nvSpPr>
+          <p:cNvPr id="61" name="Isosceles Triangle 60"/>
+          <p:cNvSpPr/>
+          <p:nvPr/>
+        </p:nvSpPr>
+        <p:spPr>
+          <a:xfrm rot="5400000">
+            <a:off x="317433" y="3832626"/>
+            <a:ext cx="765696" cy="560218"/>
+          </a:xfrm>
+          <a:prstGeom prst="triangle">
+            <a:avLst/>
+          </a:prstGeom>
+        </p:spPr>
+        <p:style>
+          <a:lnRef idx="1">
+            <a:schemeClr val="accent5"/>
+          </a:lnRef>
+          <a:fillRef idx="3">
+            <a:schemeClr val="accent5"/>
+          </a:fillRef>
+          <a:effectRef idx="2">
+            <a:schemeClr val="accent5"/>
+          </a:effectRef>
+          <a:fontRef idx="minor">
+            <a:schemeClr val="lt1"/>
+          </a:fontRef>
+        </p:style>
+        <p:txBody>
+          <a:bodyPr rtlCol="0" anchor="ctr"/>
+          <a:lstStyle/>
+          <a:p>
+            <a:pPr algn="ctr"/>
+            <a:endParaRPr lang="en-US"/>
+          </a:p>
+        </p:txBody>
+      </p:sp>
+      <p:sp>
+        <p:nvSpPr>
+          <p:cNvPr id="64" name="Oval 63"/>
+          <p:cNvSpPr/>
+          <p:nvPr/>
+        </p:nvSpPr>
+        <p:spPr>
+          <a:xfrm>
+            <a:off x="2185036" y="5192482"/>
+            <a:ext cx="762000" cy="774313"/>
+          </a:xfrm>
+          <a:prstGeom prst="ellipse">
+            <a:avLst/>
+          </a:prstGeom>
+        </p:spPr>
+        <p:style>
+          <a:lnRef idx="1">
+            <a:schemeClr val="accent6"/>
+          </a:lnRef>
+          <a:fillRef idx="3">
+            <a:schemeClr val="accent6"/>
+          </a:fillRef>
+          <a:effectRef idx="2">
+            <a:schemeClr val="accent6"/>
+          </a:effectRef>
+          <a:fontRef idx="minor">
+            <a:schemeClr val="lt1"/>
+          </a:fontRef>
+        </p:style>
+        <p:txBody>
+          <a:bodyPr rtlCol="0" anchor="ctr"/>
+          <a:lstStyle/>
+          <a:p>
+            <a:pPr algn="ctr"/>
+            <a:endParaRPr lang="en-US"/>
+          </a:p>
+        </p:txBody>
+      </p:sp>
+      <p:cxnSp>
+        <p:nvCxnSpPr>
+          <p:cNvPr id="65" name="Straight Arrow Connector 64"/>
+          <p:cNvCxnSpPr>
+            <a:stCxn id="61" idx="0"/>
+            <a:endCxn id="64" idx="2"/>
+          </p:cNvCxnSpPr>
+          <p:nvPr/>
+        </p:nvCxnSpPr>
+        <p:spPr>
+          <a:xfrm>
+            <a:off x="980390" y="4112735"/>
+            <a:ext cx="1204646" cy="1466904"/>
+          </a:xfrm>
+          <a:prstGeom prst="straightConnector1">
+            <a:avLst/>
+          </a:prstGeom>
+          <a:ln>
+            <a:tailEnd type="arrow"/>
+          </a:ln>
+        </p:spPr>
+        <p:style>
+          <a:lnRef idx="2">
+            <a:schemeClr val="dk1"/>
+          </a:lnRef>
+          <a:fillRef idx="0">
+            <a:schemeClr val="dk1"/>
+          </a:fillRef>
+          <a:effectRef idx="1">
+            <a:schemeClr val="dk1"/>
+          </a:effectRef>
+          <a:fontRef idx="minor">
+            <a:schemeClr val="tx1"/>
+          </a:fontRef>
+        </p:style>
+      </p:cxnSp>
+      <p:cxnSp>
+        <p:nvCxnSpPr>
+          <p:cNvPr id="68" name="Straight Arrow Connector 67"/>
+          <p:cNvCxnSpPr>
+            <a:stCxn id="64" idx="6"/>
+            <a:endCxn id="40" idx="5"/>
+          </p:cNvCxnSpPr>
+          <p:nvPr/>
+        </p:nvCxnSpPr>
+        <p:spPr>
+          <a:xfrm flipV="1">
+            <a:off x="2947036" y="3080288"/>
+            <a:ext cx="1382298" cy="2499351"/>
+          </a:xfrm>
+          <a:prstGeom prst="straightConnector1">
+            <a:avLst/>
+          </a:prstGeom>
+          <a:ln>
+            <a:tailEnd type="arrow"/>
+          </a:ln>
+        </p:spPr>
+        <p:style>
+          <a:lnRef idx="2">
+            <a:schemeClr val="dk1"/>
+          </a:lnRef>
+          <a:fillRef idx="0">
+            <a:schemeClr val="dk1"/>
+          </a:fillRef>
+          <a:effectRef idx="1">
+            <a:schemeClr val="dk1"/>
+          </a:effectRef>
+          <a:fontRef idx="minor">
+            <a:schemeClr val="tx1"/>
+          </a:fontRef>
+        </p:style>
+      </p:cxnSp>
+      <p:sp>
+        <p:nvSpPr>
+          <p:cNvPr id="78" name="TextBox 77"/>
+          <p:cNvSpPr txBox="1"/>
+          <p:nvPr/>
+        </p:nvSpPr>
+        <p:spPr>
+          <a:xfrm>
+            <a:off x="603644" y="2746349"/>
+            <a:ext cx="410862" cy="1477328"/>
+          </a:xfrm>
+          <a:prstGeom prst="rect">
+            <a:avLst/>
+          </a:prstGeom>
+          <a:noFill/>
+        </p:spPr>
+        <p:txBody>
+          <a:bodyPr wrap="square" rtlCol="0">
+            <a:spAutoFit/>
+          </a:bodyPr>
+          <a:lstStyle/>
+          <a:p>
+            <a:endParaRPr lang="en-US" dirty="0" smtClean="0"/>
+          </a:p>
+          <a:p>
+            <a:r>
+              <a:rPr lang="en-US" dirty="0" smtClean="0"/>
+              <a:t>o</a:t>
+            </a:r>
+          </a:p>
+          <a:p>
+            <a:r>
+              <a:rPr lang="en-US" dirty="0" smtClean="0"/>
+              <a:t>o</a:t>
+            </a:r>
+          </a:p>
+          <a:p>
+            <a:r>
+              <a:rPr lang="en-US" dirty="0" smtClean="0"/>
+              <a:t>o</a:t>
+            </a:r>
+          </a:p>
+          <a:p>
+            <a:endParaRPr lang="en-US" dirty="0"/>
+          </a:p>
+        </p:txBody>
+      </p:sp>
     </p:spTree>
     <p:extLst>
       <p:ext uri="{BB962C8B-B14F-4D97-AF65-F5344CB8AC3E}">
